--- a/presentation.pptx
+++ b/presentation.pptx
@@ -30820,9 +30820,10 @@
           <a:p>
             <a:pPr marL="0" lvl="0" indent="0"/>
             <a:r>
-              <a:rPr lang="en" sz="2800" dirty="0"/>
-              <a:t>Background reduction (training set):</a:t>
+              <a:rPr lang="en" sz="2800"/>
+              <a:t>Background reduction:</a:t>
             </a:r>
+            <a:endParaRPr lang="en" sz="2800" dirty="0"/>
           </a:p>
           <a:p>
             <a:pPr lvl="0" indent="-457200">
